--- a/Sales Insights - Data Analysis Project.pptx
+++ b/Sales Insights - Data Analysis Project.pptx
@@ -1,13 +1,13 @@
 
 <file path=ppt/presentation.xml><?xml version="1.0" encoding="utf-8"?>
-<p:presentation xmlns:a="http://schemas.openxmlformats.org/drawingml/2006/main" xmlns:r="http://schemas.openxmlformats.org/officeDocument/2006/relationships" xmlns:p="http://schemas.openxmlformats.org/presentationml/2006/main" saveSubsetFonts="1">
+<p:presentation xmlns:a="http://schemas.openxmlformats.org/drawingml/2006/main" xmlns:r="http://schemas.openxmlformats.org/officeDocument/2006/relationships" xmlns:p="http://schemas.openxmlformats.org/presentationml/2006/main">
   <p:sldMasterIdLst>
-    <p:sldMasterId id="2147483779" r:id="rId1"/>
+    <p:sldMasterId id="2147483648" r:id="rId1"/>
   </p:sldMasterIdLst>
   <p:sldIdLst>
-    <p:sldId id="256" r:id="rId2"/>
-    <p:sldId id="257" r:id="rId3"/>
-    <p:sldId id="258" r:id="rId4"/>
+    <p:sldId id="256" r:id="rId3"/>
+    <p:sldId id="257" r:id="rId4"/>
+    <p:sldId id="258" r:id="rId5"/>
   </p:sldIdLst>
   <p:sldSz cx="12192000" cy="6858000"/>
   <p:notesSz cx="6858000" cy="9144000"/>
@@ -106,16 +106,11 @@
       </a:defRPr>
     </a:lvl9pPr>
   </p:defaultTextStyle>
-  <p:extLst>
-    <p:ext uri="{EFAFB233-063F-42B5-8137-9DF3F51BA10A}">
-      <p15:sldGuideLst xmlns:p15="http://schemas.microsoft.com/office/powerpoint/2012/main"/>
-    </p:ext>
-  </p:extLst>
 </p:presentation>
 </file>
 
 <file path=ppt/slideLayouts/slideLayout1.xml><?xml version="1.0" encoding="utf-8"?>
-<p:sldLayout xmlns:a="http://schemas.openxmlformats.org/drawingml/2006/main" xmlns:r="http://schemas.openxmlformats.org/officeDocument/2006/relationships" xmlns:p="http://schemas.openxmlformats.org/presentationml/2006/main" showMasterSp="0" type="title" preserve="1">
+<p:sldLayout xmlns:a="http://schemas.openxmlformats.org/drawingml/2006/main" xmlns:r="http://schemas.openxmlformats.org/officeDocument/2006/relationships" xmlns:p="http://schemas.openxmlformats.org/presentationml/2006/main" type="title" preserve="1" showMasterSp="0">
   <p:cSld name="Title Slide">
     <p:spTree>
       <p:nvGrpSpPr>
@@ -340,7 +335,6 @@
           <a:p>
             <a:fld id="{EED1C14C-A143-42F5-B247-D0E800131009}" type="datetimeFigureOut">
               <a:rPr lang="en-US" smtClean="0"/>
-              <a:t>4/20/2022</a:t>
             </a:fld>
             <a:endParaRPr lang="en-US"/>
           </a:p>
@@ -382,7 +376,6 @@
           <a:p>
             <a:fld id="{5B03D32D-F1BC-4E9C-97E1-36CFF5B22341}" type="slidenum">
               <a:rPr lang="en-US" smtClean="0"/>
-              <a:t>‹#›</a:t>
             </a:fld>
             <a:endParaRPr lang="en-US"/>
           </a:p>
@@ -427,11 +420,6 @@
         </p:style>
       </p:cxnSp>
     </p:spTree>
-    <p:extLst>
-      <p:ext uri="{BB962C8B-B14F-4D97-AF65-F5344CB8AC3E}">
-        <p14:creationId xmlns:p14="http://schemas.microsoft.com/office/powerpoint/2010/main" val="3001757673"/>
-      </p:ext>
-    </p:extLst>
   </p:cSld>
   <p:clrMapOvr>
     <a:masterClrMapping/>
@@ -499,6 +487,7 @@
               <a:rPr lang="en-US"/>
               <a:t>Click to edit Master text styles</a:t>
             </a:r>
+            <a:endParaRPr lang="en-US"/>
           </a:p>
           <a:p>
             <a:pPr lvl="1"/>
@@ -506,6 +495,7 @@
               <a:rPr lang="en-US"/>
               <a:t>Second level</a:t>
             </a:r>
+            <a:endParaRPr lang="en-US"/>
           </a:p>
           <a:p>
             <a:pPr lvl="2"/>
@@ -513,6 +503,7 @@
               <a:rPr lang="en-US"/>
               <a:t>Third level</a:t>
             </a:r>
+            <a:endParaRPr lang="en-US"/>
           </a:p>
           <a:p>
             <a:pPr lvl="3"/>
@@ -520,6 +511,7 @@
               <a:rPr lang="en-US"/>
               <a:t>Fourth level</a:t>
             </a:r>
+            <a:endParaRPr lang="en-US"/>
           </a:p>
           <a:p>
             <a:pPr lvl="4"/>
@@ -548,7 +540,6 @@
           <a:p>
             <a:fld id="{EED1C14C-A143-42F5-B247-D0E800131009}" type="datetimeFigureOut">
               <a:rPr lang="en-US" smtClean="0"/>
-              <a:t>4/20/2022</a:t>
             </a:fld>
             <a:endParaRPr lang="en-US"/>
           </a:p>
@@ -590,18 +581,12 @@
           <a:p>
             <a:fld id="{5B03D32D-F1BC-4E9C-97E1-36CFF5B22341}" type="slidenum">
               <a:rPr lang="en-US" smtClean="0"/>
-              <a:t>‹#›</a:t>
             </a:fld>
             <a:endParaRPr lang="en-US"/>
           </a:p>
         </p:txBody>
       </p:sp>
     </p:spTree>
-    <p:extLst>
-      <p:ext uri="{BB962C8B-B14F-4D97-AF65-F5344CB8AC3E}">
-        <p14:creationId xmlns:p14="http://schemas.microsoft.com/office/powerpoint/2010/main" val="2777531141"/>
-      </p:ext>
-    </p:extLst>
   </p:cSld>
   <p:clrMapOvr>
     <a:masterClrMapping/>
@@ -610,7 +595,7 @@
 </file>
 
 <file path=ppt/slideLayouts/slideLayout11.xml><?xml version="1.0" encoding="utf-8"?>
-<p:sldLayout xmlns:a="http://schemas.openxmlformats.org/drawingml/2006/main" xmlns:r="http://schemas.openxmlformats.org/officeDocument/2006/relationships" xmlns:p="http://schemas.openxmlformats.org/presentationml/2006/main" showMasterSp="0" type="vertTitleAndTx" preserve="1">
+<p:sldLayout xmlns:a="http://schemas.openxmlformats.org/drawingml/2006/main" xmlns:r="http://schemas.openxmlformats.org/officeDocument/2006/relationships" xmlns:p="http://schemas.openxmlformats.org/presentationml/2006/main" type="vertTitleAndTx" preserve="1" showMasterSp="0">
   <p:cSld name="Vertical Title and Text">
     <p:spTree>
       <p:nvGrpSpPr>
@@ -755,6 +740,7 @@
               <a:rPr lang="en-US"/>
               <a:t>Click to edit Master text styles</a:t>
             </a:r>
+            <a:endParaRPr lang="en-US"/>
           </a:p>
           <a:p>
             <a:pPr lvl="1"/>
@@ -762,6 +748,7 @@
               <a:rPr lang="en-US"/>
               <a:t>Second level</a:t>
             </a:r>
+            <a:endParaRPr lang="en-US"/>
           </a:p>
           <a:p>
             <a:pPr lvl="2"/>
@@ -769,6 +756,7 @@
               <a:rPr lang="en-US"/>
               <a:t>Third level</a:t>
             </a:r>
+            <a:endParaRPr lang="en-US"/>
           </a:p>
           <a:p>
             <a:pPr lvl="3"/>
@@ -776,6 +764,7 @@
               <a:rPr lang="en-US"/>
               <a:t>Fourth level</a:t>
             </a:r>
+            <a:endParaRPr lang="en-US"/>
           </a:p>
           <a:p>
             <a:pPr lvl="4"/>
@@ -804,7 +793,6 @@
           <a:p>
             <a:fld id="{EED1C14C-A143-42F5-B247-D0E800131009}" type="datetimeFigureOut">
               <a:rPr lang="en-US" smtClean="0"/>
-              <a:t>4/20/2022</a:t>
             </a:fld>
             <a:endParaRPr lang="en-US"/>
           </a:p>
@@ -846,18 +834,12 @@
           <a:p>
             <a:fld id="{5B03D32D-F1BC-4E9C-97E1-36CFF5B22341}" type="slidenum">
               <a:rPr lang="en-US" smtClean="0"/>
-              <a:t>‹#›</a:t>
             </a:fld>
             <a:endParaRPr lang="en-US"/>
           </a:p>
         </p:txBody>
       </p:sp>
     </p:spTree>
-    <p:extLst>
-      <p:ext uri="{BB962C8B-B14F-4D97-AF65-F5344CB8AC3E}">
-        <p14:creationId xmlns:p14="http://schemas.microsoft.com/office/powerpoint/2010/main" val="974796655"/>
-      </p:ext>
-    </p:extLst>
   </p:cSld>
   <p:clrMapOvr>
     <a:masterClrMapping/>
@@ -929,6 +911,7 @@
               <a:rPr lang="en-US"/>
               <a:t>Click to edit Master text styles</a:t>
             </a:r>
+            <a:endParaRPr lang="en-US"/>
           </a:p>
           <a:p>
             <a:pPr lvl="1"/>
@@ -936,6 +919,7 @@
               <a:rPr lang="en-US"/>
               <a:t>Second level</a:t>
             </a:r>
+            <a:endParaRPr lang="en-US"/>
           </a:p>
           <a:p>
             <a:pPr lvl="2"/>
@@ -943,6 +927,7 @@
               <a:rPr lang="en-US"/>
               <a:t>Third level</a:t>
             </a:r>
+            <a:endParaRPr lang="en-US"/>
           </a:p>
           <a:p>
             <a:pPr lvl="3"/>
@@ -950,6 +935,7 @@
               <a:rPr lang="en-US"/>
               <a:t>Fourth level</a:t>
             </a:r>
+            <a:endParaRPr lang="en-US"/>
           </a:p>
           <a:p>
             <a:pPr lvl="4"/>
@@ -978,7 +964,6 @@
           <a:p>
             <a:fld id="{EED1C14C-A143-42F5-B247-D0E800131009}" type="datetimeFigureOut">
               <a:rPr lang="en-US" smtClean="0"/>
-              <a:t>4/20/2022</a:t>
             </a:fld>
             <a:endParaRPr lang="en-US"/>
           </a:p>
@@ -1020,18 +1005,12 @@
           <a:p>
             <a:fld id="{5B03D32D-F1BC-4E9C-97E1-36CFF5B22341}" type="slidenum">
               <a:rPr lang="en-US" smtClean="0"/>
-              <a:t>‹#›</a:t>
             </a:fld>
             <a:endParaRPr lang="en-US"/>
           </a:p>
         </p:txBody>
       </p:sp>
     </p:spTree>
-    <p:extLst>
-      <p:ext uri="{BB962C8B-B14F-4D97-AF65-F5344CB8AC3E}">
-        <p14:creationId xmlns:p14="http://schemas.microsoft.com/office/powerpoint/2010/main" val="74299967"/>
-      </p:ext>
-    </p:extLst>
   </p:cSld>
   <p:clrMapOvr>
     <a:masterClrMapping/>
@@ -1040,7 +1019,7 @@
 </file>
 
 <file path=ppt/slideLayouts/slideLayout3.xml><?xml version="1.0" encoding="utf-8"?>
-<p:sldLayout xmlns:a="http://schemas.openxmlformats.org/drawingml/2006/main" xmlns:r="http://schemas.openxmlformats.org/officeDocument/2006/relationships" xmlns:p="http://schemas.openxmlformats.org/presentationml/2006/main" showMasterSp="0" type="secHead" preserve="1">
+<p:sldLayout xmlns:a="http://schemas.openxmlformats.org/drawingml/2006/main" xmlns:r="http://schemas.openxmlformats.org/officeDocument/2006/relationships" xmlns:p="http://schemas.openxmlformats.org/presentationml/2006/main" type="secHead" preserve="1" showMasterSp="0">
   <p:cSld name="Section Header">
     <p:bg>
       <p:bgPr>
@@ -1301,6 +1280,7 @@
               <a:rPr lang="en-US"/>
               <a:t>Click to edit Master text styles</a:t>
             </a:r>
+            <a:endParaRPr lang="en-US"/>
           </a:p>
         </p:txBody>
       </p:sp>
@@ -1321,7 +1301,6 @@
           <a:p>
             <a:fld id="{EED1C14C-A143-42F5-B247-D0E800131009}" type="datetimeFigureOut">
               <a:rPr lang="en-US" smtClean="0"/>
-              <a:t>4/20/2022</a:t>
             </a:fld>
             <a:endParaRPr lang="en-US"/>
           </a:p>
@@ -1363,7 +1342,6 @@
           <a:p>
             <a:fld id="{5B03D32D-F1BC-4E9C-97E1-36CFF5B22341}" type="slidenum">
               <a:rPr lang="en-US" smtClean="0"/>
-              <a:t>‹#›</a:t>
             </a:fld>
             <a:endParaRPr lang="en-US"/>
           </a:p>
@@ -1408,11 +1386,6 @@
         </p:style>
       </p:cxnSp>
     </p:spTree>
-    <p:extLst>
-      <p:ext uri="{BB962C8B-B14F-4D97-AF65-F5344CB8AC3E}">
-        <p14:creationId xmlns:p14="http://schemas.microsoft.com/office/powerpoint/2010/main" val="4044960687"/>
-      </p:ext>
-    </p:extLst>
   </p:cSld>
   <p:clrMapOvr>
     <a:masterClrMapping/>
@@ -1490,6 +1463,7 @@
               <a:rPr lang="en-US"/>
               <a:t>Click to edit Master text styles</a:t>
             </a:r>
+            <a:endParaRPr lang="en-US"/>
           </a:p>
           <a:p>
             <a:pPr lvl="1"/>
@@ -1497,6 +1471,7 @@
               <a:rPr lang="en-US"/>
               <a:t>Second level</a:t>
             </a:r>
+            <a:endParaRPr lang="en-US"/>
           </a:p>
           <a:p>
             <a:pPr lvl="2"/>
@@ -1504,6 +1479,7 @@
               <a:rPr lang="en-US"/>
               <a:t>Third level</a:t>
             </a:r>
+            <a:endParaRPr lang="en-US"/>
           </a:p>
           <a:p>
             <a:pPr lvl="3"/>
@@ -1511,6 +1487,7 @@
               <a:rPr lang="en-US"/>
               <a:t>Fourth level</a:t>
             </a:r>
+            <a:endParaRPr lang="en-US"/>
           </a:p>
           <a:p>
             <a:pPr lvl="4"/>
@@ -1547,6 +1524,7 @@
               <a:rPr lang="en-US"/>
               <a:t>Click to edit Master text styles</a:t>
             </a:r>
+            <a:endParaRPr lang="en-US"/>
           </a:p>
           <a:p>
             <a:pPr lvl="1"/>
@@ -1554,6 +1532,7 @@
               <a:rPr lang="en-US"/>
               <a:t>Second level</a:t>
             </a:r>
+            <a:endParaRPr lang="en-US"/>
           </a:p>
           <a:p>
             <a:pPr lvl="2"/>
@@ -1561,6 +1540,7 @@
               <a:rPr lang="en-US"/>
               <a:t>Third level</a:t>
             </a:r>
+            <a:endParaRPr lang="en-US"/>
           </a:p>
           <a:p>
             <a:pPr lvl="3"/>
@@ -1568,6 +1548,7 @@
               <a:rPr lang="en-US"/>
               <a:t>Fourth level</a:t>
             </a:r>
+            <a:endParaRPr lang="en-US"/>
           </a:p>
           <a:p>
             <a:pPr lvl="4"/>
@@ -1596,7 +1577,6 @@
           <a:p>
             <a:fld id="{EED1C14C-A143-42F5-B247-D0E800131009}" type="datetimeFigureOut">
               <a:rPr lang="en-US" smtClean="0"/>
-              <a:t>4/20/2022</a:t>
             </a:fld>
             <a:endParaRPr lang="en-US"/>
           </a:p>
@@ -1638,18 +1618,12 @@
           <a:p>
             <a:fld id="{5B03D32D-F1BC-4E9C-97E1-36CFF5B22341}" type="slidenum">
               <a:rPr lang="en-US" smtClean="0"/>
-              <a:t>‹#›</a:t>
             </a:fld>
             <a:endParaRPr lang="en-US"/>
           </a:p>
         </p:txBody>
       </p:sp>
     </p:spTree>
-    <p:extLst>
-      <p:ext uri="{BB962C8B-B14F-4D97-AF65-F5344CB8AC3E}">
-        <p14:creationId xmlns:p14="http://schemas.microsoft.com/office/powerpoint/2010/main" val="642550526"/>
-      </p:ext>
-    </p:extLst>
   </p:cSld>
   <p:clrMapOvr>
     <a:masterClrMapping/>
@@ -1770,6 +1744,7 @@
               <a:rPr lang="en-US"/>
               <a:t>Click to edit Master text styles</a:t>
             </a:r>
+            <a:endParaRPr lang="en-US"/>
           </a:p>
         </p:txBody>
       </p:sp>
@@ -1798,6 +1773,7 @@
               <a:rPr lang="en-US"/>
               <a:t>Click to edit Master text styles</a:t>
             </a:r>
+            <a:endParaRPr lang="en-US"/>
           </a:p>
           <a:p>
             <a:pPr lvl="1"/>
@@ -1805,6 +1781,7 @@
               <a:rPr lang="en-US"/>
               <a:t>Second level</a:t>
             </a:r>
+            <a:endParaRPr lang="en-US"/>
           </a:p>
           <a:p>
             <a:pPr lvl="2"/>
@@ -1812,6 +1789,7 @@
               <a:rPr lang="en-US"/>
               <a:t>Third level</a:t>
             </a:r>
+            <a:endParaRPr lang="en-US"/>
           </a:p>
           <a:p>
             <a:pPr lvl="3"/>
@@ -1819,6 +1797,7 @@
               <a:rPr lang="en-US"/>
               <a:t>Fourth level</a:t>
             </a:r>
+            <a:endParaRPr lang="en-US"/>
           </a:p>
           <a:p>
             <a:pPr lvl="4"/>
@@ -1898,6 +1877,7 @@
               <a:rPr lang="en-US"/>
               <a:t>Click to edit Master text styles</a:t>
             </a:r>
+            <a:endParaRPr lang="en-US"/>
           </a:p>
         </p:txBody>
       </p:sp>
@@ -1926,6 +1906,7 @@
               <a:rPr lang="en-US"/>
               <a:t>Click to edit Master text styles</a:t>
             </a:r>
+            <a:endParaRPr lang="en-US"/>
           </a:p>
           <a:p>
             <a:pPr lvl="1"/>
@@ -1933,6 +1914,7 @@
               <a:rPr lang="en-US"/>
               <a:t>Second level</a:t>
             </a:r>
+            <a:endParaRPr lang="en-US"/>
           </a:p>
           <a:p>
             <a:pPr lvl="2"/>
@@ -1940,6 +1922,7 @@
               <a:rPr lang="en-US"/>
               <a:t>Third level</a:t>
             </a:r>
+            <a:endParaRPr lang="en-US"/>
           </a:p>
           <a:p>
             <a:pPr lvl="3"/>
@@ -1947,6 +1930,7 @@
               <a:rPr lang="en-US"/>
               <a:t>Fourth level</a:t>
             </a:r>
+            <a:endParaRPr lang="en-US"/>
           </a:p>
           <a:p>
             <a:pPr lvl="4"/>
@@ -1975,7 +1959,6 @@
           <a:p>
             <a:fld id="{EED1C14C-A143-42F5-B247-D0E800131009}" type="datetimeFigureOut">
               <a:rPr lang="en-US" smtClean="0"/>
-              <a:t>4/20/2022</a:t>
             </a:fld>
             <a:endParaRPr lang="en-US"/>
           </a:p>
@@ -2017,18 +2000,12 @@
           <a:p>
             <a:fld id="{5B03D32D-F1BC-4E9C-97E1-36CFF5B22341}" type="slidenum">
               <a:rPr lang="en-US" smtClean="0"/>
-              <a:t>‹#›</a:t>
             </a:fld>
             <a:endParaRPr lang="en-US"/>
           </a:p>
         </p:txBody>
       </p:sp>
     </p:spTree>
-    <p:extLst>
-      <p:ext uri="{BB962C8B-B14F-4D97-AF65-F5344CB8AC3E}">
-        <p14:creationId xmlns:p14="http://schemas.microsoft.com/office/powerpoint/2010/main" val="4247110512"/>
-      </p:ext>
-    </p:extLst>
   </p:cSld>
   <p:clrMapOvr>
     <a:masterClrMapping/>
@@ -2093,7 +2070,6 @@
           <a:p>
             <a:fld id="{EED1C14C-A143-42F5-B247-D0E800131009}" type="datetimeFigureOut">
               <a:rPr lang="en-US" smtClean="0"/>
-              <a:t>4/20/2022</a:t>
             </a:fld>
             <a:endParaRPr lang="en-US"/>
           </a:p>
@@ -2135,18 +2111,12 @@
           <a:p>
             <a:fld id="{5B03D32D-F1BC-4E9C-97E1-36CFF5B22341}" type="slidenum">
               <a:rPr lang="en-US" smtClean="0"/>
-              <a:t>‹#›</a:t>
             </a:fld>
             <a:endParaRPr lang="en-US"/>
           </a:p>
         </p:txBody>
       </p:sp>
     </p:spTree>
-    <p:extLst>
-      <p:ext uri="{BB962C8B-B14F-4D97-AF65-F5344CB8AC3E}">
-        <p14:creationId xmlns:p14="http://schemas.microsoft.com/office/powerpoint/2010/main" val="3890846740"/>
-      </p:ext>
-    </p:extLst>
   </p:cSld>
   <p:clrMapOvr>
     <a:masterClrMapping/>
@@ -2155,7 +2125,7 @@
 </file>
 
 <file path=ppt/slideLayouts/slideLayout7.xml><?xml version="1.0" encoding="utf-8"?>
-<p:sldLayout xmlns:a="http://schemas.openxmlformats.org/drawingml/2006/main" xmlns:r="http://schemas.openxmlformats.org/officeDocument/2006/relationships" xmlns:p="http://schemas.openxmlformats.org/presentationml/2006/main" showMasterSp="0" type="blank" preserve="1">
+<p:sldLayout xmlns:a="http://schemas.openxmlformats.org/drawingml/2006/main" xmlns:r="http://schemas.openxmlformats.org/officeDocument/2006/relationships" xmlns:p="http://schemas.openxmlformats.org/presentationml/2006/main" type="blank" preserve="1" showMasterSp="0">
   <p:cSld name="Blank">
     <p:spTree>
       <p:nvGrpSpPr>
@@ -2264,7 +2234,6 @@
           <a:p>
             <a:fld id="{EED1C14C-A143-42F5-B247-D0E800131009}" type="datetimeFigureOut">
               <a:rPr lang="en-US" smtClean="0"/>
-              <a:t>4/20/2022</a:t>
             </a:fld>
             <a:endParaRPr lang="en-US"/>
           </a:p>
@@ -2314,18 +2283,12 @@
           <a:p>
             <a:fld id="{5B03D32D-F1BC-4E9C-97E1-36CFF5B22341}" type="slidenum">
               <a:rPr lang="en-US" smtClean="0"/>
-              <a:t>‹#›</a:t>
             </a:fld>
             <a:endParaRPr lang="en-US"/>
           </a:p>
         </p:txBody>
       </p:sp>
     </p:spTree>
-    <p:extLst>
-      <p:ext uri="{BB962C8B-B14F-4D97-AF65-F5344CB8AC3E}">
-        <p14:creationId xmlns:p14="http://schemas.microsoft.com/office/powerpoint/2010/main" val="2904092055"/>
-      </p:ext>
-    </p:extLst>
   </p:cSld>
   <p:clrMapOvr>
     <a:masterClrMapping/>
@@ -2334,7 +2297,7 @@
 </file>
 
 <file path=ppt/slideLayouts/slideLayout8.xml><?xml version="1.0" encoding="utf-8"?>
-<p:sldLayout xmlns:a="http://schemas.openxmlformats.org/drawingml/2006/main" xmlns:r="http://schemas.openxmlformats.org/officeDocument/2006/relationships" xmlns:p="http://schemas.openxmlformats.org/presentationml/2006/main" showMasterSp="0" type="objTx" preserve="1">
+<p:sldLayout xmlns:a="http://schemas.openxmlformats.org/drawingml/2006/main" xmlns:r="http://schemas.openxmlformats.org/officeDocument/2006/relationships" xmlns:p="http://schemas.openxmlformats.org/presentationml/2006/main" type="objTx" preserve="1" showMasterSp="0">
   <p:cSld name="Content with Caption">
     <p:spTree>
       <p:nvGrpSpPr>
@@ -2489,6 +2452,7 @@
               <a:rPr lang="en-US"/>
               <a:t>Click to edit Master text styles</a:t>
             </a:r>
+            <a:endParaRPr lang="en-US"/>
           </a:p>
           <a:p>
             <a:pPr lvl="1"/>
@@ -2496,6 +2460,7 @@
               <a:rPr lang="en-US"/>
               <a:t>Second level</a:t>
             </a:r>
+            <a:endParaRPr lang="en-US"/>
           </a:p>
           <a:p>
             <a:pPr lvl="2"/>
@@ -2503,6 +2468,7 @@
               <a:rPr lang="en-US"/>
               <a:t>Third level</a:t>
             </a:r>
+            <a:endParaRPr lang="en-US"/>
           </a:p>
           <a:p>
             <a:pPr lvl="3"/>
@@ -2510,6 +2476,7 @@
               <a:rPr lang="en-US"/>
               <a:t>Fourth level</a:t>
             </a:r>
+            <a:endParaRPr lang="en-US"/>
           </a:p>
           <a:p>
             <a:pPr lvl="4"/>
@@ -2589,6 +2556,7 @@
               <a:rPr lang="en-US"/>
               <a:t>Click to edit Master text styles</a:t>
             </a:r>
+            <a:endParaRPr lang="en-US"/>
           </a:p>
         </p:txBody>
       </p:sp>
@@ -2618,7 +2586,6 @@
           <a:p>
             <a:fld id="{EED1C14C-A143-42F5-B247-D0E800131009}" type="datetimeFigureOut">
               <a:rPr lang="en-US" smtClean="0"/>
-              <a:t>4/20/2022</a:t>
             </a:fld>
             <a:endParaRPr lang="en-US"/>
           </a:p>
@@ -2681,18 +2648,12 @@
           <a:p>
             <a:fld id="{5B03D32D-F1BC-4E9C-97E1-36CFF5B22341}" type="slidenum">
               <a:rPr lang="en-US" smtClean="0"/>
-              <a:t>‹#›</a:t>
             </a:fld>
             <a:endParaRPr lang="en-US"/>
           </a:p>
         </p:txBody>
       </p:sp>
     </p:spTree>
-    <p:extLst>
-      <p:ext uri="{BB962C8B-B14F-4D97-AF65-F5344CB8AC3E}">
-        <p14:creationId xmlns:p14="http://schemas.microsoft.com/office/powerpoint/2010/main" val="4060759314"/>
-      </p:ext>
-    </p:extLst>
   </p:cSld>
   <p:clrMapOvr>
     <a:masterClrMapping/>
@@ -2701,7 +2662,7 @@
 </file>
 
 <file path=ppt/slideLayouts/slideLayout9.xml><?xml version="1.0" encoding="utf-8"?>
-<p:sldLayout xmlns:a="http://schemas.openxmlformats.org/drawingml/2006/main" xmlns:r="http://schemas.openxmlformats.org/officeDocument/2006/relationships" xmlns:p="http://schemas.openxmlformats.org/presentationml/2006/main" showMasterSp="0" type="picTx" preserve="1">
+<p:sldLayout xmlns:a="http://schemas.openxmlformats.org/drawingml/2006/main" xmlns:r="http://schemas.openxmlformats.org/officeDocument/2006/relationships" xmlns:p="http://schemas.openxmlformats.org/presentationml/2006/main" type="picTx" preserve="1" showMasterSp="0">
   <p:cSld name="Picture with Caption">
     <p:spTree>
       <p:nvGrpSpPr>
@@ -2980,6 +2941,7 @@
               <a:rPr lang="en-US"/>
               <a:t>Click to edit Master text styles</a:t>
             </a:r>
+            <a:endParaRPr lang="en-US"/>
           </a:p>
         </p:txBody>
       </p:sp>
@@ -3000,7 +2962,6 @@
           <a:p>
             <a:fld id="{EED1C14C-A143-42F5-B247-D0E800131009}" type="datetimeFigureOut">
               <a:rPr lang="en-US" smtClean="0"/>
-              <a:t>4/20/2022</a:t>
             </a:fld>
             <a:endParaRPr lang="en-US"/>
           </a:p>
@@ -3042,18 +3003,12 @@
           <a:p>
             <a:fld id="{5B03D32D-F1BC-4E9C-97E1-36CFF5B22341}" type="slidenum">
               <a:rPr lang="en-US" smtClean="0"/>
-              <a:t>‹#›</a:t>
             </a:fld>
             <a:endParaRPr lang="en-US"/>
           </a:p>
         </p:txBody>
       </p:sp>
     </p:spTree>
-    <p:extLst>
-      <p:ext uri="{BB962C8B-B14F-4D97-AF65-F5344CB8AC3E}">
-        <p14:creationId xmlns:p14="http://schemas.microsoft.com/office/powerpoint/2010/main" val="3187257902"/>
-      </p:ext>
-    </p:extLst>
   </p:cSld>
   <p:clrMapOvr>
     <a:masterClrMapping/>
@@ -3222,6 +3177,7 @@
               <a:rPr lang="en-US"/>
               <a:t>Click to edit Master text styles</a:t>
             </a:r>
+            <a:endParaRPr lang="en-US"/>
           </a:p>
           <a:p>
             <a:pPr lvl="1"/>
@@ -3229,6 +3185,7 @@
               <a:rPr lang="en-US"/>
               <a:t>Second level</a:t>
             </a:r>
+            <a:endParaRPr lang="en-US"/>
           </a:p>
           <a:p>
             <a:pPr lvl="2"/>
@@ -3236,6 +3193,7 @@
               <a:rPr lang="en-US"/>
               <a:t>Third level</a:t>
             </a:r>
+            <a:endParaRPr lang="en-US"/>
           </a:p>
           <a:p>
             <a:pPr lvl="3"/>
@@ -3243,6 +3201,7 @@
               <a:rPr lang="en-US"/>
               <a:t>Fourth level</a:t>
             </a:r>
+            <a:endParaRPr lang="en-US"/>
           </a:p>
           <a:p>
             <a:pPr lvl="4"/>
@@ -3287,7 +3246,6 @@
           <a:p>
             <a:fld id="{EED1C14C-A143-42F5-B247-D0E800131009}" type="datetimeFigureOut">
               <a:rPr lang="en-US" smtClean="0"/>
-              <a:t>4/20/2022</a:t>
             </a:fld>
             <a:endParaRPr lang="en-US"/>
           </a:p>
@@ -3361,7 +3319,6 @@
           <a:p>
             <a:fld id="{5B03D32D-F1BC-4E9C-97E1-36CFF5B22341}" type="slidenum">
               <a:rPr lang="en-US" smtClean="0"/>
-              <a:t>‹#›</a:t>
             </a:fld>
             <a:endParaRPr lang="en-US"/>
           </a:p>
@@ -3406,25 +3363,20 @@
         </p:style>
       </p:cxnSp>
     </p:spTree>
-    <p:extLst>
-      <p:ext uri="{BB962C8B-B14F-4D97-AF65-F5344CB8AC3E}">
-        <p14:creationId xmlns:p14="http://schemas.microsoft.com/office/powerpoint/2010/main" val="2728146218"/>
-      </p:ext>
-    </p:extLst>
   </p:cSld>
   <p:clrMap bg1="lt1" tx1="dk1" bg2="lt2" tx2="dk2" accent1="accent1" accent2="accent2" accent3="accent3" accent4="accent4" accent5="accent5" accent6="accent6" hlink="hlink" folHlink="folHlink"/>
   <p:sldLayoutIdLst>
-    <p:sldLayoutId id="2147483780" r:id="rId1"/>
-    <p:sldLayoutId id="2147483781" r:id="rId2"/>
-    <p:sldLayoutId id="2147483782" r:id="rId3"/>
-    <p:sldLayoutId id="2147483783" r:id="rId4"/>
-    <p:sldLayoutId id="2147483784" r:id="rId5"/>
-    <p:sldLayoutId id="2147483785" r:id="rId6"/>
-    <p:sldLayoutId id="2147483786" r:id="rId7"/>
-    <p:sldLayoutId id="2147483787" r:id="rId8"/>
-    <p:sldLayoutId id="2147483788" r:id="rId9"/>
-    <p:sldLayoutId id="2147483789" r:id="rId10"/>
-    <p:sldLayoutId id="2147483790" r:id="rId11"/>
+    <p:sldLayoutId id="2147483649" r:id="rId1"/>
+    <p:sldLayoutId id="2147483650" r:id="rId2"/>
+    <p:sldLayoutId id="2147483651" r:id="rId3"/>
+    <p:sldLayoutId id="2147483652" r:id="rId4"/>
+    <p:sldLayoutId id="2147483653" r:id="rId5"/>
+    <p:sldLayoutId id="2147483654" r:id="rId6"/>
+    <p:sldLayoutId id="2147483655" r:id="rId7"/>
+    <p:sldLayoutId id="2147483656" r:id="rId8"/>
+    <p:sldLayoutId id="2147483657" r:id="rId9"/>
+    <p:sldLayoutId id="2147483658" r:id="rId10"/>
+    <p:sldLayoutId id="2147483659" r:id="rId11"/>
   </p:sldLayoutIdLst>
   <p:txStyles>
     <p:titleStyle>
@@ -3478,7 +3430,7 @@
           <a:cs typeface="+mn-cs"/>
         </a:defRPr>
       </a:lvl1pPr>
-      <a:lvl2pPr marL="384048" indent="-182880" algn="l" defTabSz="914400" rtl="0" eaLnBrk="1" latinLnBrk="0" hangingPunct="1">
+      <a:lvl2pPr marL="384175" indent="-182880" algn="l" defTabSz="914400" rtl="0" eaLnBrk="1" latinLnBrk="0" hangingPunct="1">
         <a:lnSpc>
           <a:spcPct val="90000"/>
         </a:lnSpc>
@@ -3491,7 +3443,7 @@
         <a:buClr>
           <a:schemeClr val="accent1"/>
         </a:buClr>
-        <a:buFont typeface="Calibri" pitchFamily="34" charset="0"/>
+        <a:buFont typeface="Calibri" panose="020F0502020204030204" pitchFamily="34" charset="0"/>
         <a:buChar char="◦"/>
         <a:defRPr sz="1800" kern="1200">
           <a:solidFill>
@@ -3505,7 +3457,7 @@
           <a:cs typeface="+mn-cs"/>
         </a:defRPr>
       </a:lvl2pPr>
-      <a:lvl3pPr marL="566928" indent="-182880" algn="l" defTabSz="914400" rtl="0" eaLnBrk="1" latinLnBrk="0" hangingPunct="1">
+      <a:lvl3pPr marL="567055" indent="-182880" algn="l" defTabSz="914400" rtl="0" eaLnBrk="1" latinLnBrk="0" hangingPunct="1">
         <a:lnSpc>
           <a:spcPct val="90000"/>
         </a:lnSpc>
@@ -3518,7 +3470,7 @@
         <a:buClr>
           <a:schemeClr val="accent1"/>
         </a:buClr>
-        <a:buFont typeface="Calibri" pitchFamily="34" charset="0"/>
+        <a:buFont typeface="Calibri" panose="020F0502020204030204" pitchFamily="34" charset="0"/>
         <a:buChar char="◦"/>
         <a:defRPr sz="1400" kern="1200">
           <a:solidFill>
@@ -3532,7 +3484,7 @@
           <a:cs typeface="+mn-cs"/>
         </a:defRPr>
       </a:lvl3pPr>
-      <a:lvl4pPr marL="749808" indent="-182880" algn="l" defTabSz="914400" rtl="0" eaLnBrk="1" latinLnBrk="0" hangingPunct="1">
+      <a:lvl4pPr marL="749935" indent="-182880" algn="l" defTabSz="914400" rtl="0" eaLnBrk="1" latinLnBrk="0" hangingPunct="1">
         <a:lnSpc>
           <a:spcPct val="90000"/>
         </a:lnSpc>
@@ -3545,7 +3497,7 @@
         <a:buClr>
           <a:schemeClr val="accent1"/>
         </a:buClr>
-        <a:buFont typeface="Calibri" pitchFamily="34" charset="0"/>
+        <a:buFont typeface="Calibri" panose="020F0502020204030204" pitchFamily="34" charset="0"/>
         <a:buChar char="◦"/>
         <a:defRPr sz="1400" kern="1200">
           <a:solidFill>
@@ -3559,7 +3511,7 @@
           <a:cs typeface="+mn-cs"/>
         </a:defRPr>
       </a:lvl4pPr>
-      <a:lvl5pPr marL="932688" indent="-182880" algn="l" defTabSz="914400" rtl="0" eaLnBrk="1" latinLnBrk="0" hangingPunct="1">
+      <a:lvl5pPr marL="932815" indent="-182880" algn="l" defTabSz="914400" rtl="0" eaLnBrk="1" latinLnBrk="0" hangingPunct="1">
         <a:lnSpc>
           <a:spcPct val="90000"/>
         </a:lnSpc>
@@ -3572,7 +3524,7 @@
         <a:buClr>
           <a:schemeClr val="accent1"/>
         </a:buClr>
-        <a:buFont typeface="Calibri" pitchFamily="34" charset="0"/>
+        <a:buFont typeface="Calibri" panose="020F0502020204030204" pitchFamily="34" charset="0"/>
         <a:buChar char="◦"/>
         <a:defRPr sz="1400" kern="1200">
           <a:solidFill>
@@ -3586,7 +3538,7 @@
           <a:cs typeface="+mn-cs"/>
         </a:defRPr>
       </a:lvl5pPr>
-      <a:lvl6pPr marL="1100000" indent="-228600" algn="l" defTabSz="914400" rtl="0" eaLnBrk="1" latinLnBrk="0" hangingPunct="1">
+      <a:lvl6pPr marL="1099820" indent="-228600" algn="l" defTabSz="914400" rtl="0" eaLnBrk="1" latinLnBrk="0" hangingPunct="1">
         <a:lnSpc>
           <a:spcPct val="90000"/>
         </a:lnSpc>
@@ -3599,7 +3551,7 @@
         <a:buClr>
           <a:schemeClr val="accent1"/>
         </a:buClr>
-        <a:buFont typeface="Calibri" pitchFamily="34" charset="0"/>
+        <a:buFont typeface="Calibri" panose="020F0502020204030204" pitchFamily="34" charset="0"/>
         <a:buChar char="◦"/>
         <a:defRPr sz="1400" kern="1200">
           <a:solidFill>
@@ -3613,7 +3565,7 @@
           <a:cs typeface="+mn-cs"/>
         </a:defRPr>
       </a:lvl6pPr>
-      <a:lvl7pPr marL="1300000" indent="-228600" algn="l" defTabSz="914400" rtl="0" eaLnBrk="1" latinLnBrk="0" hangingPunct="1">
+      <a:lvl7pPr marL="1299845" indent="-228600" algn="l" defTabSz="914400" rtl="0" eaLnBrk="1" latinLnBrk="0" hangingPunct="1">
         <a:lnSpc>
           <a:spcPct val="90000"/>
         </a:lnSpc>
@@ -3626,7 +3578,7 @@
         <a:buClr>
           <a:schemeClr val="accent1"/>
         </a:buClr>
-        <a:buFont typeface="Calibri" pitchFamily="34" charset="0"/>
+        <a:buFont typeface="Calibri" panose="020F0502020204030204" pitchFamily="34" charset="0"/>
         <a:buChar char="◦"/>
         <a:defRPr sz="1400" kern="1200">
           <a:solidFill>
@@ -3640,7 +3592,7 @@
           <a:cs typeface="+mn-cs"/>
         </a:defRPr>
       </a:lvl7pPr>
-      <a:lvl8pPr marL="1500000" indent="-228600" algn="l" defTabSz="914400" rtl="0" eaLnBrk="1" latinLnBrk="0" hangingPunct="1">
+      <a:lvl8pPr marL="1499870" indent="-228600" algn="l" defTabSz="914400" rtl="0" eaLnBrk="1" latinLnBrk="0" hangingPunct="1">
         <a:lnSpc>
           <a:spcPct val="90000"/>
         </a:lnSpc>
@@ -3653,7 +3605,7 @@
         <a:buClr>
           <a:schemeClr val="accent1"/>
         </a:buClr>
-        <a:buFont typeface="Calibri" pitchFamily="34" charset="0"/>
+        <a:buFont typeface="Calibri" panose="020F0502020204030204" pitchFamily="34" charset="0"/>
         <a:buChar char="◦"/>
         <a:defRPr sz="1400" kern="1200">
           <a:solidFill>
@@ -3667,7 +3619,7 @@
           <a:cs typeface="+mn-cs"/>
         </a:defRPr>
       </a:lvl8pPr>
-      <a:lvl9pPr marL="1700000" indent="-228600" algn="l" defTabSz="914400" rtl="0" eaLnBrk="1" latinLnBrk="0" hangingPunct="1">
+      <a:lvl9pPr marL="1699895" indent="-228600" algn="l" defTabSz="914400" rtl="0" eaLnBrk="1" latinLnBrk="0" hangingPunct="1">
         <a:lnSpc>
           <a:spcPct val="90000"/>
         </a:lnSpc>
@@ -3680,7 +3632,7 @@
         <a:buClr>
           <a:schemeClr val="accent1"/>
         </a:buClr>
-        <a:buFont typeface="Calibri" pitchFamily="34" charset="0"/>
+        <a:buFont typeface="Calibri" panose="020F0502020204030204" pitchFamily="34" charset="0"/>
         <a:buChar char="◦"/>
         <a:defRPr sz="1400" kern="1200">
           <a:solidFill>
@@ -3813,13 +3765,7 @@
       </p:grpSpPr>
       <p:sp>
         <p:nvSpPr>
-          <p:cNvPr id="2" name="slide1">
-            <a:extLst>
-              <a:ext uri="{FF2B5EF4-FFF2-40B4-BE49-F238E27FC236}">
-                <a16:creationId xmlns:a16="http://schemas.microsoft.com/office/drawing/2014/main" id="{B12AA8B4-9659-4030-ACE1-A0045ABAC122}"/>
-              </a:ext>
-            </a:extLst>
-          </p:cNvPr>
+          <p:cNvPr id="2" name="slide1"/>
           <p:cNvSpPr>
             <a:spLocks noGrp="1"/>
           </p:cNvSpPr>
@@ -3835,23 +3781,20 @@
           <a:lstStyle/>
           <a:p>
             <a:r>
-              <a:rPr lang="en-us" dirty="0">
-                <a:hlinkClick r:id="rId2"/>
+              <a:rPr lang="en-US" dirty="0">
+                <a:hlinkClick r:id="rId1"/>
               </a:rPr>
               <a:t>Sales Insights - Data Analysis Project using Tableau</a:t>
             </a:r>
-          </a:p>
-        </p:txBody>
-      </p:sp>
-      <p:sp>
-        <p:nvSpPr>
-          <p:cNvPr id="3" name="slide1">
-            <a:extLst>
-              <a:ext uri="{FF2B5EF4-FFF2-40B4-BE49-F238E27FC236}">
-                <a16:creationId xmlns:a16="http://schemas.microsoft.com/office/drawing/2014/main" id="{870430DB-4FB6-44EF-AF90-92953FF5E5AF}"/>
-              </a:ext>
-            </a:extLst>
-          </p:cNvPr>
+            <a:endParaRPr lang="en-US" dirty="0">
+              <a:hlinkClick r:id="rId1"/>
+            </a:endParaRPr>
+          </a:p>
+        </p:txBody>
+      </p:sp>
+      <p:sp>
+        <p:nvSpPr>
+          <p:cNvPr id="3" name="slide1"/>
           <p:cNvSpPr>
             <a:spLocks noGrp="1"/>
           </p:cNvSpPr>
@@ -3872,14 +3815,16 @@
           <a:lstStyle/>
           <a:p>
             <a:r>
-              <a:rPr lang="en-IN" sz="3200" dirty="0"/>
-              <a:t>By – </a:t>
-            </a:r>
-            <a:r>
               <a:rPr lang="en-IN" sz="3200" dirty="0">
-                <a:hlinkClick r:id="rId3"/>
+                <a:sym typeface="+mn-ea"/>
               </a:rPr>
-              <a:t>Ankit Gupta</a:t>
+              <a:t>By – Vladyslav </a:t>
+            </a:r>
+            <a:r>
+              <a:rPr lang="en-IN" sz="3200" dirty="0" err="1">
+                <a:sym typeface="+mn-ea"/>
+              </a:rPr>
+              <a:t>Nyzhnyk</a:t>
             </a:r>
             <a:endParaRPr sz="3200" dirty="0"/>
           </a:p>
@@ -3887,33 +3832,21 @@
       </p:sp>
       <p:grpSp>
         <p:nvGrpSpPr>
-          <p:cNvPr id="9" name="Group 8">
-            <a:extLst>
-              <a:ext uri="{FF2B5EF4-FFF2-40B4-BE49-F238E27FC236}">
-                <a16:creationId xmlns:a16="http://schemas.microsoft.com/office/drawing/2014/main" id="{A07CC01D-D31F-4169-B4B7-36C342D5980D}"/>
-              </a:ext>
-            </a:extLst>
-          </p:cNvPr>
+          <p:cNvPr id="9" name="Group 8"/>
           <p:cNvGrpSpPr/>
           <p:nvPr/>
         </p:nvGrpSpPr>
         <p:grpSpPr>
           <a:xfrm>
-            <a:off x="9188387" y="5583387"/>
-            <a:ext cx="2780931" cy="652942"/>
-            <a:chOff x="9197265" y="5911861"/>
-            <a:chExt cx="2780931" cy="652942"/>
+            <a:off x="6224207" y="5583387"/>
+            <a:ext cx="5745111" cy="652942"/>
+            <a:chOff x="6233085" y="5911861"/>
+            <a:chExt cx="5745111" cy="652942"/>
           </a:xfrm>
         </p:grpSpPr>
         <p:sp>
           <p:nvSpPr>
-            <p:cNvPr id="11" name="Text Box 31">
-              <a:extLst>
-                <a:ext uri="{FF2B5EF4-FFF2-40B4-BE49-F238E27FC236}">
-                  <a16:creationId xmlns:a16="http://schemas.microsoft.com/office/drawing/2014/main" id="{1ED99BEF-571B-4988-9B1F-D38DBD591927}"/>
-                </a:ext>
-              </a:extLst>
-            </p:cNvPr>
+            <p:cNvPr id="11" name="Text Box 31"/>
             <p:cNvSpPr txBox="1">
               <a:spLocks noChangeArrowheads="1"/>
             </p:cNvSpPr>
@@ -3921,8 +3854,8 @@
           </p:nvSpPr>
           <p:spPr bwMode="auto">
             <a:xfrm>
-              <a:off x="9197265" y="5911861"/>
-              <a:ext cx="2519705" cy="652942"/>
+              <a:off x="6233085" y="5911861"/>
+              <a:ext cx="5483860" cy="652780"/>
             </a:xfrm>
             <a:prstGeom prst="rect">
               <a:avLst/>
@@ -3931,8 +3864,6 @@
             <a:ln w="9525">
               <a:noFill/>
               <a:miter lim="800000"/>
-              <a:headEnd/>
-              <a:tailEnd/>
             </a:ln>
           </p:spPr>
           <p:txBody>
@@ -3950,7 +3881,7 @@
                 </a:spcAft>
               </a:pPr>
               <a:r>
-                <a:rPr lang="en-US" sz="1400" u="none" strike="noStrike" dirty="0">
+                <a:rPr lang="en-US" sz="1400" dirty="0">
                   <a:solidFill>
                     <a:srgbClr val="0000FF"/>
                   </a:solidFill>
@@ -3958,40 +3889,20 @@
                   <a:latin typeface="Calibri" panose="020F0502020204030204" pitchFamily="34" charset="0"/>
                   <a:ea typeface="Calibri" panose="020F0502020204030204" pitchFamily="34" charset="0"/>
                   <a:cs typeface="Times New Roman" panose="02020603050405020304" pitchFamily="18" charset="0"/>
-                  <a:hlinkClick r:id="rId4"/>
+                  <a:sym typeface="+mn-ea"/>
+                  <a:hlinkClick r:id="rId2" tooltip="" action="ppaction://hlinkfile"/>
                 </a:rPr>
-                <a:t>github.com/</a:t>
+                <a:t>github.com/VladyslavNyzhnyk/</a:t>
               </a:r>
-              <a:r>
-                <a:rPr lang="en-US" sz="1400" u="none" strike="noStrike" dirty="0" err="1">
-                  <a:solidFill>
-                    <a:srgbClr val="0000FF"/>
-                  </a:solidFill>
-                  <a:effectLst/>
-                  <a:latin typeface="Calibri" panose="020F0502020204030204" pitchFamily="34" charset="0"/>
-                  <a:ea typeface="Calibri" panose="020F0502020204030204" pitchFamily="34" charset="0"/>
-                  <a:cs typeface="Times New Roman" panose="02020603050405020304" pitchFamily="18" charset="0"/>
-                  <a:hlinkClick r:id="rId4"/>
-                </a:rPr>
-                <a:t>mrankitgupta</a:t>
-              </a:r>
-              <a:r>
-                <a:rPr lang="en-US" sz="1400" u="none" strike="noStrike" dirty="0">
-                  <a:solidFill>
-                    <a:srgbClr val="0000FF"/>
-                  </a:solidFill>
-                  <a:effectLst/>
-                  <a:latin typeface="Calibri" panose="020F0502020204030204" pitchFamily="34" charset="0"/>
-                  <a:ea typeface="Calibri" panose="020F0502020204030204" pitchFamily="34" charset="0"/>
-                  <a:cs typeface="Times New Roman" panose="02020603050405020304" pitchFamily="18" charset="0"/>
-                </a:rPr>
-                <a:t>  </a:t>
-              </a:r>
-              <a:endParaRPr lang="en-IN" sz="2000" dirty="0">
+              <a:endParaRPr lang="en-US" sz="1400" dirty="0">
+                <a:solidFill>
+                  <a:srgbClr val="0000FF"/>
+                </a:solidFill>
                 <a:effectLst/>
                 <a:latin typeface="Calibri" panose="020F0502020204030204" pitchFamily="34" charset="0"/>
                 <a:ea typeface="Calibri" panose="020F0502020204030204" pitchFamily="34" charset="0"/>
                 <a:cs typeface="Times New Roman" panose="02020603050405020304" pitchFamily="18" charset="0"/>
+                <a:sym typeface="+mn-ea"/>
               </a:endParaRPr>
             </a:p>
             <a:p>
@@ -4004,7 +3915,7 @@
                 </a:spcAft>
               </a:pPr>
               <a:r>
-                <a:rPr lang="en-US" sz="1400" u="none" strike="noStrike" dirty="0">
+                <a:rPr lang="en-US" sz="1400" dirty="0">
                   <a:solidFill>
                     <a:srgbClr val="0000FF"/>
                   </a:solidFill>
@@ -4012,47 +3923,10 @@
                   <a:latin typeface="Calibri" panose="020F0502020204030204" pitchFamily="34" charset="0"/>
                   <a:ea typeface="Calibri" panose="020F0502020204030204" pitchFamily="34" charset="0"/>
                   <a:cs typeface="Times New Roman" panose="02020603050405020304" pitchFamily="18" charset="0"/>
-                  <a:hlinkClick r:id="rId5"/>
+                  <a:sym typeface="+mn-ea"/>
+                  <a:hlinkClick r:id="rId3" tooltip="" action="ppaction://hlinkfile"/>
                 </a:rPr>
-                <a:t>linkedin.com/in/</a:t>
-              </a:r>
-              <a:r>
-                <a:rPr lang="en-US" sz="1400" u="none" strike="noStrike" dirty="0" err="1">
-                  <a:solidFill>
-                    <a:srgbClr val="0000FF"/>
-                  </a:solidFill>
-                  <a:effectLst/>
-                  <a:latin typeface="Calibri" panose="020F0502020204030204" pitchFamily="34" charset="0"/>
-                  <a:ea typeface="Calibri" panose="020F0502020204030204" pitchFamily="34" charset="0"/>
-                  <a:cs typeface="Times New Roman" panose="02020603050405020304" pitchFamily="18" charset="0"/>
-                  <a:hlinkClick r:id="rId5"/>
-                </a:rPr>
-                <a:t>mrankitgupta</a:t>
-              </a:r>
-              <a:r>
-                <a:rPr lang="en-US" sz="1400" u="none" strike="noStrike" dirty="0">
-                  <a:solidFill>
-                    <a:srgbClr val="0000FF"/>
-                  </a:solidFill>
-                  <a:effectLst/>
-                  <a:latin typeface="Calibri" panose="020F0502020204030204" pitchFamily="34" charset="0"/>
-                  <a:ea typeface="Calibri" panose="020F0502020204030204" pitchFamily="34" charset="0"/>
-                  <a:cs typeface="Times New Roman" panose="02020603050405020304" pitchFamily="18" charset="0"/>
-                </a:rPr>
-                <a:t>  </a:t>
-              </a:r>
-              <a:r>
-                <a:rPr lang="en-US" sz="1600" u="none" strike="noStrike" dirty="0">
-                  <a:solidFill>
-                    <a:srgbClr val="0000FF"/>
-                  </a:solidFill>
-                  <a:effectLst/>
-                  <a:latin typeface="Calibri" panose="020F0502020204030204" pitchFamily="34" charset="0"/>
-                  <a:ea typeface="Calibri" panose="020F0502020204030204" pitchFamily="34" charset="0"/>
-                  <a:cs typeface="Times New Roman" panose="02020603050405020304" pitchFamily="18" charset="0"/>
-                  <a:hlinkClick r:id="rId5"/>
-                </a:rPr>
-                <a:t> </a:t>
+                <a:t>in/vladyslav-nyzhnyk-41ab12297/</a:t>
               </a:r>
               <a:endParaRPr lang="en-IN" sz="2000" dirty="0">
                 <a:effectLst/>
@@ -4067,11 +3941,6 @@
           <p:nvPicPr>
             <p:cNvPr id="12" name="Picture 11">
               <a:hlinkClick r:id="rId4"/>
-              <a:extLst>
-                <a:ext uri="{FF2B5EF4-FFF2-40B4-BE49-F238E27FC236}">
-                  <a16:creationId xmlns:a16="http://schemas.microsoft.com/office/drawing/2014/main" id="{1F303A21-D60D-49F0-BF56-E6D61E4FBD9B}"/>
-                </a:ext>
-              </a:extLst>
             </p:cNvPr>
             <p:cNvPicPr>
               <a:picLocks noChangeAspect="1"/>
@@ -4079,7 +3948,7 @@
             <p:nvPr/>
           </p:nvPicPr>
           <p:blipFill>
-            <a:blip r:embed="rId6">
+            <a:blip r:embed="rId5">
               <a:extLst>
                 <a:ext uri="{28A0092B-C50C-407E-A947-70E740481C1C}">
                   <a14:useLocalDpi xmlns:a14="http://schemas.microsoft.com/office/drawing/2010/main" val="0"/>
@@ -4107,12 +3976,7 @@
         <p:pic>
           <p:nvPicPr>
             <p:cNvPr id="13" name="Picture 12">
-              <a:hlinkClick r:id="rId5"/>
-              <a:extLst>
-                <a:ext uri="{FF2B5EF4-FFF2-40B4-BE49-F238E27FC236}">
-                  <a16:creationId xmlns:a16="http://schemas.microsoft.com/office/drawing/2014/main" id="{992116F1-EB55-4911-82B0-D99C5B8FCF5D}"/>
-                </a:ext>
-              </a:extLst>
+              <a:hlinkClick r:id="rId6"/>
             </p:cNvPr>
             <p:cNvPicPr>
               <a:picLocks noChangeAspect="1"/>
@@ -4147,11 +4011,6 @@
         </p:pic>
       </p:grpSp>
     </p:spTree>
-    <p:extLst>
-      <p:ext uri="{BB962C8B-B14F-4D97-AF65-F5344CB8AC3E}">
-        <p14:creationId xmlns:p14="http://schemas.microsoft.com/office/powerpoint/2010/main" val="95992585"/>
-      </p:ext>
-    </p:extLst>
   </p:cSld>
   <p:clrMapOvr>
     <a:masterClrMapping/>
@@ -4178,20 +4037,14 @@
       </p:grpSpPr>
       <p:pic>
         <p:nvPicPr>
-          <p:cNvPr id="2" name="slide2" descr="Dashboard - Revenue Analysis">
-            <a:extLst>
-              <a:ext uri="{FF2B5EF4-FFF2-40B4-BE49-F238E27FC236}">
-                <a16:creationId xmlns:a16="http://schemas.microsoft.com/office/drawing/2014/main" id="{2828D31F-14B5-42A8-B2CE-0763D93F6CAE}"/>
-              </a:ext>
-            </a:extLst>
-          </p:cNvPr>
+          <p:cNvPr id="2" name="slide2" descr="Dashboard - Revenue Analysis"/>
           <p:cNvPicPr>
             <a:picLocks noChangeAspect="1"/>
           </p:cNvPicPr>
           <p:nvPr/>
         </p:nvPicPr>
         <p:blipFill>
-          <a:blip r:embed="rId2">
+          <a:blip r:embed="rId1">
             <a:extLst>
               <a:ext uri="{28A0092B-C50C-407E-A947-70E740481C1C}">
                 <a14:useLocalDpi xmlns:a14="http://schemas.microsoft.com/office/drawing/2010/main" val="0"/>
@@ -4213,11 +4066,6 @@
         </p:spPr>
       </p:pic>
     </p:spTree>
-    <p:extLst>
-      <p:ext uri="{BB962C8B-B14F-4D97-AF65-F5344CB8AC3E}">
-        <p14:creationId xmlns:p14="http://schemas.microsoft.com/office/powerpoint/2010/main" val="95992585"/>
-      </p:ext>
-    </p:extLst>
   </p:cSld>
   <p:clrMapOvr>
     <a:masterClrMapping/>
@@ -4244,20 +4092,14 @@
       </p:grpSpPr>
       <p:pic>
         <p:nvPicPr>
-          <p:cNvPr id="3" name="slide3" descr="Dashboard - Profit Analysis">
-            <a:extLst>
-              <a:ext uri="{FF2B5EF4-FFF2-40B4-BE49-F238E27FC236}">
-                <a16:creationId xmlns:a16="http://schemas.microsoft.com/office/drawing/2014/main" id="{F8F8A8A3-C128-4606-BDC7-60A902CBDEC3}"/>
-              </a:ext>
-            </a:extLst>
-          </p:cNvPr>
+          <p:cNvPr id="3" name="slide3" descr="Dashboard - Profit Analysis"/>
           <p:cNvPicPr>
             <a:picLocks noChangeAspect="1"/>
           </p:cNvPicPr>
           <p:nvPr/>
         </p:nvPicPr>
         <p:blipFill>
-          <a:blip r:embed="rId2">
+          <a:blip r:embed="rId1">
             <a:extLst>
               <a:ext uri="{28A0092B-C50C-407E-A947-70E740481C1C}">
                 <a14:useLocalDpi xmlns:a14="http://schemas.microsoft.com/office/drawing/2010/main" val="0"/>
@@ -4279,11 +4121,6 @@
         </p:spPr>
       </p:pic>
     </p:spTree>
-    <p:extLst>
-      <p:ext uri="{BB962C8B-B14F-4D97-AF65-F5344CB8AC3E}">
-        <p14:creationId xmlns:p14="http://schemas.microsoft.com/office/powerpoint/2010/main" val="95992585"/>
-      </p:ext>
-    </p:extLst>
   </p:cSld>
   <p:clrMapOvr>
     <a:masterClrMapping/>
@@ -4334,7 +4171,7 @@
     </a:clrScheme>
     <a:fontScheme name="Retrospect">
       <a:majorFont>
-        <a:latin typeface="Calibri Light" panose="020F0302020204030204"/>
+        <a:latin typeface="Calibri Light"/>
         <a:ea typeface=""/>
         <a:cs typeface=""/>
         <a:font script="Jpan" typeface="ＭＳ Ｐゴシック"/>
@@ -4369,7 +4206,7 @@
         <a:font script="Geor" typeface="Sylfaen"/>
       </a:majorFont>
       <a:minorFont>
-        <a:latin typeface="Calibri" panose="020F0502020204030204"/>
+        <a:latin typeface="Calibri"/>
         <a:ea typeface=""/>
         <a:cs typeface=""/>
         <a:font script="Jpan" typeface="ＭＳ Ｐゴシック"/>
@@ -4564,11 +4401,9 @@
       </a:bgFillStyleLst>
     </a:fmtScheme>
   </a:themeElements>
-  <a:objectDefaults/>
-  <a:extraClrSchemeLst/>
   <a:extLst>
     <a:ext uri="{05A4C25C-085E-4340-85A3-A5531E510DB2}">
-      <thm15:themeFamily xmlns:thm15="http://schemas.microsoft.com/office/thememl/2012/main" name="Retrospect" id="{5F128B03-DCCA-4EEB-AB3B-CF2899314A46}" vid="{3F1AAB62-24C6-49D2-8E01-B56FAC9A3DCD}"/>
+      <thm15:themeFamily xmlns:thm15="http://schemas.microsoft.com/office/thememl/2012/main" name="Office Theme" id="{62F939B6-93AF-4DB8-9C6B-D6C7DFDC589F}" vid="{4A3C46E8-61CC-4603-A589-7422A47A8E4A}"/>
     </a:ext>
   </a:extLst>
 </a:theme>
